--- a/JUSTIFICACIÓN/S&T Presentación.pptx
+++ b/JUSTIFICACIÓN/S&T Presentación.pptx
@@ -2020,7 +2020,7 @@
           <p:cNvPr id="2" name="Rectangle 2">
             <a:extLst>
               <a:ext uri="{FF2B5EF4-FFF2-40B4-BE49-F238E27FC236}">
-                <a16:creationId xmlns="" xmlns:a16="http://schemas.microsoft.com/office/drawing/2014/main" id="{99BC988A-1A5E-456A-9B25-A57B38D4F782}"/>
+                <a16:creationId xmlns:a16="http://schemas.microsoft.com/office/drawing/2014/main" xmlns="" id="{99BC988A-1A5E-456A-9B25-A57B38D4F782}"/>
               </a:ext>
             </a:extLst>
           </p:cNvPr>
@@ -2089,7 +2089,7 @@
           <p:cNvPr id="5" name="Imagen 4">
             <a:extLst>
               <a:ext uri="{FF2B5EF4-FFF2-40B4-BE49-F238E27FC236}">
-                <a16:creationId xmlns="" xmlns:a16="http://schemas.microsoft.com/office/drawing/2014/main" id="{5CF814BD-0FE9-4A9F-BA32-2F39F2A23431}"/>
+                <a16:creationId xmlns:a16="http://schemas.microsoft.com/office/drawing/2014/main" xmlns="" id="{5CF814BD-0FE9-4A9F-BA32-2F39F2A23431}"/>
               </a:ext>
             </a:extLst>
           </p:cNvPr>
@@ -2149,7 +2149,7 @@
           <p:cNvPr id="2" name="CuadroTexto 1">
             <a:extLst>
               <a:ext uri="{FF2B5EF4-FFF2-40B4-BE49-F238E27FC236}">
-                <a16:creationId xmlns="" xmlns:a16="http://schemas.microsoft.com/office/drawing/2014/main" id="{5D4039E3-709F-4E06-B7B0-27AC7A115C31}"/>
+                <a16:creationId xmlns:a16="http://schemas.microsoft.com/office/drawing/2014/main" xmlns="" id="{5D4039E3-709F-4E06-B7B0-27AC7A115C31}"/>
               </a:ext>
             </a:extLst>
           </p:cNvPr>
@@ -2188,7 +2188,7 @@
           <p:cNvPr id="3" name="Rectángulo 2">
             <a:extLst>
               <a:ext uri="{FF2B5EF4-FFF2-40B4-BE49-F238E27FC236}">
-                <a16:creationId xmlns="" xmlns:a16="http://schemas.microsoft.com/office/drawing/2014/main" id="{A96D5207-4404-430D-8731-B92D9B9EA521}"/>
+                <a16:creationId xmlns:a16="http://schemas.microsoft.com/office/drawing/2014/main" xmlns="" id="{A96D5207-4404-430D-8731-B92D9B9EA521}"/>
               </a:ext>
             </a:extLst>
           </p:cNvPr>
@@ -2256,7 +2256,7 @@
           <p:cNvPr id="2" name="Rectángulo 1">
             <a:extLst>
               <a:ext uri="{FF2B5EF4-FFF2-40B4-BE49-F238E27FC236}">
-                <a16:creationId xmlns="" xmlns:a16="http://schemas.microsoft.com/office/drawing/2014/main" id="{DD3337F3-8706-4620-AEC9-1FAE05806F83}"/>
+                <a16:creationId xmlns:a16="http://schemas.microsoft.com/office/drawing/2014/main" xmlns="" id="{DD3337F3-8706-4620-AEC9-1FAE05806F83}"/>
               </a:ext>
             </a:extLst>
           </p:cNvPr>
@@ -2287,7 +2287,7 @@
           <p:cNvPr id="3" name="CuadroTexto 2">
             <a:extLst>
               <a:ext uri="{FF2B5EF4-FFF2-40B4-BE49-F238E27FC236}">
-                <a16:creationId xmlns="" xmlns:a16="http://schemas.microsoft.com/office/drawing/2014/main" id="{92110779-8A11-4E14-8E0F-A0E520BBA368}"/>
+                <a16:creationId xmlns:a16="http://schemas.microsoft.com/office/drawing/2014/main" xmlns="" id="{92110779-8A11-4E14-8E0F-A0E520BBA368}"/>
               </a:ext>
             </a:extLst>
           </p:cNvPr>
@@ -2318,6 +2318,67 @@
               </a:rPr>
               <a:t>IMAGEN GITHUB</a:t>
             </a:r>
+          </a:p>
+        </p:txBody>
+      </p:sp>
+      <p:pic>
+        <p:nvPicPr>
+          <p:cNvPr id="5" name="Imagen 4"/>
+          <p:cNvPicPr>
+            <a:picLocks noChangeAspect="1"/>
+          </p:cNvPicPr>
+          <p:nvPr/>
+        </p:nvPicPr>
+        <p:blipFill>
+          <a:blip r:embed="rId2">
+            <a:extLst>
+              <a:ext uri="{28A0092B-C50C-407E-A947-70E740481C1C}">
+                <a14:useLocalDpi xmlns:a14="http://schemas.microsoft.com/office/drawing/2010/main" val="0"/>
+              </a:ext>
+            </a:extLst>
+          </a:blip>
+          <a:stretch>
+            <a:fillRect/>
+          </a:stretch>
+        </p:blipFill>
+        <p:spPr>
+          <a:xfrm>
+            <a:off x="914401" y="1920269"/>
+            <a:ext cx="7530957" cy="2638872"/>
+          </a:xfrm>
+          <a:prstGeom prst="rect">
+            <a:avLst/>
+          </a:prstGeom>
+        </p:spPr>
+      </p:pic>
+      <p:sp>
+        <p:nvSpPr>
+          <p:cNvPr id="6" name="Rectángulo 5"/>
+          <p:cNvSpPr/>
+          <p:nvPr/>
+        </p:nvSpPr>
+        <p:spPr>
+          <a:xfrm>
+            <a:off x="2178897" y="1235873"/>
+            <a:ext cx="5594279" cy="369332"/>
+          </a:xfrm>
+          <a:prstGeom prst="rect">
+            <a:avLst/>
+          </a:prstGeom>
+        </p:spPr>
+        <p:txBody>
+          <a:bodyPr wrap="square">
+            <a:spAutoFit/>
+          </a:bodyPr>
+          <a:lstStyle/>
+          <a:p>
+            <a:r>
+              <a:rPr lang="es-CO" dirty="0">
+                <a:hlinkClick r:id="rId3"/>
+              </a:rPr>
+              <a:t>https://github.com/Restrepo-2000/SYT-2061250/</a:t>
+            </a:r>
+            <a:endParaRPr lang="es-CO" dirty="0"/>
           </a:p>
         </p:txBody>
       </p:sp>
@@ -2356,7 +2417,7 @@
           <p:cNvPr id="2" name="Rectángulo 1">
             <a:extLst>
               <a:ext uri="{FF2B5EF4-FFF2-40B4-BE49-F238E27FC236}">
-                <a16:creationId xmlns="" xmlns:a16="http://schemas.microsoft.com/office/drawing/2014/main" id="{1FC0BF6A-712C-4197-A45B-BB60C80FD167}"/>
+                <a16:creationId xmlns:a16="http://schemas.microsoft.com/office/drawing/2014/main" xmlns="" id="{1FC0BF6A-712C-4197-A45B-BB60C80FD167}"/>
               </a:ext>
             </a:extLst>
           </p:cNvPr>
@@ -2453,7 +2514,7 @@
           <p:cNvPr id="3" name="CuadroTexto 2">
             <a:extLst>
               <a:ext uri="{FF2B5EF4-FFF2-40B4-BE49-F238E27FC236}">
-                <a16:creationId xmlns="" xmlns:a16="http://schemas.microsoft.com/office/drawing/2014/main" id="{7D309A2E-827A-412F-AC19-FFC59BD359F5}"/>
+                <a16:creationId xmlns:a16="http://schemas.microsoft.com/office/drawing/2014/main" xmlns="" id="{7D309A2E-827A-412F-AC19-FFC59BD359F5}"/>
               </a:ext>
             </a:extLst>
           </p:cNvPr>
@@ -2522,7 +2583,7 @@
           <p:cNvPr id="3" name="CuadroTexto 2">
             <a:extLst>
               <a:ext uri="{FF2B5EF4-FFF2-40B4-BE49-F238E27FC236}">
-                <a16:creationId xmlns="" xmlns:a16="http://schemas.microsoft.com/office/drawing/2014/main" id="{DA93F96A-B05C-4FC4-9111-6FC3939A637A}"/>
+                <a16:creationId xmlns:a16="http://schemas.microsoft.com/office/drawing/2014/main" xmlns="" id="{DA93F96A-B05C-4FC4-9111-6FC3939A637A}"/>
               </a:ext>
             </a:extLst>
           </p:cNvPr>
@@ -2561,7 +2622,7 @@
           <p:cNvPr id="4" name="Rectángulo 3">
             <a:extLst>
               <a:ext uri="{FF2B5EF4-FFF2-40B4-BE49-F238E27FC236}">
-                <a16:creationId xmlns="" xmlns:a16="http://schemas.microsoft.com/office/drawing/2014/main" id="{D30B7794-8CE2-4FE1-BDFE-B663B84E8F7D}"/>
+                <a16:creationId xmlns:a16="http://schemas.microsoft.com/office/drawing/2014/main" xmlns="" id="{D30B7794-8CE2-4FE1-BDFE-B663B84E8F7D}"/>
               </a:ext>
             </a:extLst>
           </p:cNvPr>
@@ -2596,7 +2657,7 @@
           <p:cNvPr id="5" name="Rectángulo 4">
             <a:extLst>
               <a:ext uri="{FF2B5EF4-FFF2-40B4-BE49-F238E27FC236}">
-                <a16:creationId xmlns="" xmlns:a16="http://schemas.microsoft.com/office/drawing/2014/main" id="{570D335A-1128-451C-A639-2909558AE307}"/>
+                <a16:creationId xmlns:a16="http://schemas.microsoft.com/office/drawing/2014/main" xmlns="" id="{570D335A-1128-451C-A639-2909558AE307}"/>
               </a:ext>
             </a:extLst>
           </p:cNvPr>
@@ -2644,7 +2705,7 @@
           <p:cNvPr id="6" name="Rectángulo 5">
             <a:extLst>
               <a:ext uri="{FF2B5EF4-FFF2-40B4-BE49-F238E27FC236}">
-                <a16:creationId xmlns="" xmlns:a16="http://schemas.microsoft.com/office/drawing/2014/main" id="{66C390BC-7BBC-4618-ACED-3D722A4235CA}"/>
+                <a16:creationId xmlns:a16="http://schemas.microsoft.com/office/drawing/2014/main" xmlns="" id="{66C390BC-7BBC-4618-ACED-3D722A4235CA}"/>
               </a:ext>
             </a:extLst>
           </p:cNvPr>
@@ -2678,7 +2739,7 @@
           <p:cNvPr id="7" name="Rectángulo 6">
             <a:extLst>
               <a:ext uri="{FF2B5EF4-FFF2-40B4-BE49-F238E27FC236}">
-                <a16:creationId xmlns="" xmlns:a16="http://schemas.microsoft.com/office/drawing/2014/main" id="{62F160E3-894D-4379-B179-EF2F2BF31396}"/>
+                <a16:creationId xmlns:a16="http://schemas.microsoft.com/office/drawing/2014/main" xmlns="" id="{62F160E3-894D-4379-B179-EF2F2BF31396}"/>
               </a:ext>
             </a:extLst>
           </p:cNvPr>
@@ -2940,7 +3001,7 @@
           <p:cNvPr id="3" name="Rectángulo 2">
             <a:extLst>
               <a:ext uri="{FF2B5EF4-FFF2-40B4-BE49-F238E27FC236}">
-                <a16:creationId xmlns="" xmlns:a16="http://schemas.microsoft.com/office/drawing/2014/main" id="{177DAA8A-12F4-4F92-96B5-87E097B7509D}"/>
+                <a16:creationId xmlns:a16="http://schemas.microsoft.com/office/drawing/2014/main" xmlns="" id="{177DAA8A-12F4-4F92-96B5-87E097B7509D}"/>
               </a:ext>
             </a:extLst>
           </p:cNvPr>
@@ -3036,7 +3097,7 @@
           <p:cNvPr id="2" name="CuadroTexto 1">
             <a:extLst>
               <a:ext uri="{FF2B5EF4-FFF2-40B4-BE49-F238E27FC236}">
-                <a16:creationId xmlns="" xmlns:a16="http://schemas.microsoft.com/office/drawing/2014/main" id="{F5660BCD-7834-4D01-8547-1C7E02EF6FF6}"/>
+                <a16:creationId xmlns:a16="http://schemas.microsoft.com/office/drawing/2014/main" xmlns="" id="{F5660BCD-7834-4D01-8547-1C7E02EF6FF6}"/>
               </a:ext>
             </a:extLst>
           </p:cNvPr>
@@ -3075,7 +3136,7 @@
           <p:cNvPr id="3" name="Rectángulo 2">
             <a:extLst>
               <a:ext uri="{FF2B5EF4-FFF2-40B4-BE49-F238E27FC236}">
-                <a16:creationId xmlns="" xmlns:a16="http://schemas.microsoft.com/office/drawing/2014/main" id="{145517F4-D971-4724-BA0D-EE113FF56ADD}"/>
+                <a16:creationId xmlns:a16="http://schemas.microsoft.com/office/drawing/2014/main" xmlns="" id="{145517F4-D971-4724-BA0D-EE113FF56ADD}"/>
               </a:ext>
             </a:extLst>
           </p:cNvPr>
@@ -3142,7 +3203,7 @@
           <p:cNvPr id="2" name="Rectángulo 1">
             <a:extLst>
               <a:ext uri="{FF2B5EF4-FFF2-40B4-BE49-F238E27FC236}">
-                <a16:creationId xmlns="" xmlns:a16="http://schemas.microsoft.com/office/drawing/2014/main" id="{D7C7D852-8E6F-4710-BADB-6975B79B62C6}"/>
+                <a16:creationId xmlns:a16="http://schemas.microsoft.com/office/drawing/2014/main" xmlns="" id="{D7C7D852-8E6F-4710-BADB-6975B79B62C6}"/>
               </a:ext>
             </a:extLst>
           </p:cNvPr>
@@ -3279,7 +3340,7 @@
           <p:cNvPr id="3" name="CuadroTexto 2">
             <a:extLst>
               <a:ext uri="{FF2B5EF4-FFF2-40B4-BE49-F238E27FC236}">
-                <a16:creationId xmlns="" xmlns:a16="http://schemas.microsoft.com/office/drawing/2014/main" id="{3D9BF47C-1E65-4330-BE75-6B21A44708B1}"/>
+                <a16:creationId xmlns:a16="http://schemas.microsoft.com/office/drawing/2014/main" xmlns="" id="{3D9BF47C-1E65-4330-BE75-6B21A44708B1}"/>
               </a:ext>
             </a:extLst>
           </p:cNvPr>
@@ -3348,7 +3409,7 @@
           <p:cNvPr id="2" name="CuadroTexto 1">
             <a:extLst>
               <a:ext uri="{FF2B5EF4-FFF2-40B4-BE49-F238E27FC236}">
-                <a16:creationId xmlns="" xmlns:a16="http://schemas.microsoft.com/office/drawing/2014/main" id="{66EACF82-971F-4D4E-9586-8F987200B991}"/>
+                <a16:creationId xmlns:a16="http://schemas.microsoft.com/office/drawing/2014/main" xmlns="" id="{66EACF82-971F-4D4E-9586-8F987200B991}"/>
               </a:ext>
             </a:extLst>
           </p:cNvPr>
@@ -3387,7 +3448,7 @@
           <p:cNvPr id="3" name="Rectángulo 2">
             <a:extLst>
               <a:ext uri="{FF2B5EF4-FFF2-40B4-BE49-F238E27FC236}">
-                <a16:creationId xmlns="" xmlns:a16="http://schemas.microsoft.com/office/drawing/2014/main" id="{84676EF0-AE05-470D-B1D2-76928396888A}"/>
+                <a16:creationId xmlns:a16="http://schemas.microsoft.com/office/drawing/2014/main" xmlns="" id="{84676EF0-AE05-470D-B1D2-76928396888A}"/>
               </a:ext>
             </a:extLst>
           </p:cNvPr>
@@ -3458,7 +3519,7 @@
           <p:cNvPr id="2" name="CuadroTexto 1">
             <a:extLst>
               <a:ext uri="{FF2B5EF4-FFF2-40B4-BE49-F238E27FC236}">
-                <a16:creationId xmlns="" xmlns:a16="http://schemas.microsoft.com/office/drawing/2014/main" id="{0C94DC49-BBDB-45D3-BA13-2FC8BC0EDCF9}"/>
+                <a16:creationId xmlns:a16="http://schemas.microsoft.com/office/drawing/2014/main" xmlns="" id="{0C94DC49-BBDB-45D3-BA13-2FC8BC0EDCF9}"/>
               </a:ext>
             </a:extLst>
           </p:cNvPr>
@@ -3497,7 +3558,7 @@
           <p:cNvPr id="3" name="Rectángulo 2">
             <a:extLst>
               <a:ext uri="{FF2B5EF4-FFF2-40B4-BE49-F238E27FC236}">
-                <a16:creationId xmlns="" xmlns:a16="http://schemas.microsoft.com/office/drawing/2014/main" id="{46AA53F7-4471-40E9-ABB8-2236410AF1C0}"/>
+                <a16:creationId xmlns:a16="http://schemas.microsoft.com/office/drawing/2014/main" xmlns="" id="{46AA53F7-4471-40E9-ABB8-2236410AF1C0}"/>
               </a:ext>
             </a:extLst>
           </p:cNvPr>
@@ -3585,7 +3646,7 @@
           <p:cNvPr id="2" name="Rectángulo 1">
             <a:extLst>
               <a:ext uri="{FF2B5EF4-FFF2-40B4-BE49-F238E27FC236}">
-                <a16:creationId xmlns="" xmlns:a16="http://schemas.microsoft.com/office/drawing/2014/main" id="{5BBD4407-D689-4286-8740-44141ABD2C2D}"/>
+                <a16:creationId xmlns:a16="http://schemas.microsoft.com/office/drawing/2014/main" xmlns="" id="{5BBD4407-D689-4286-8740-44141ABD2C2D}"/>
               </a:ext>
             </a:extLst>
           </p:cNvPr>
@@ -3653,7 +3714,7 @@
           <p:cNvPr id="3" name="CuadroTexto 2">
             <a:extLst>
               <a:ext uri="{FF2B5EF4-FFF2-40B4-BE49-F238E27FC236}">
-                <a16:creationId xmlns="" xmlns:a16="http://schemas.microsoft.com/office/drawing/2014/main" id="{17D34FEF-13A7-4A55-9F3C-F11B9C937C6A}"/>
+                <a16:creationId xmlns:a16="http://schemas.microsoft.com/office/drawing/2014/main" xmlns="" id="{17D34FEF-13A7-4A55-9F3C-F11B9C937C6A}"/>
               </a:ext>
             </a:extLst>
           </p:cNvPr>
@@ -3722,7 +3783,7 @@
           <p:cNvPr id="2" name="Rectángulo 1">
             <a:extLst>
               <a:ext uri="{FF2B5EF4-FFF2-40B4-BE49-F238E27FC236}">
-                <a16:creationId xmlns="" xmlns:a16="http://schemas.microsoft.com/office/drawing/2014/main" id="{8248CE27-C0C4-4A6D-B8F4-CF9D491C5349}"/>
+                <a16:creationId xmlns:a16="http://schemas.microsoft.com/office/drawing/2014/main" xmlns="" id="{8248CE27-C0C4-4A6D-B8F4-CF9D491C5349}"/>
               </a:ext>
             </a:extLst>
           </p:cNvPr>
@@ -3760,7 +3821,7 @@
           <p:cNvPr id="3" name="CuadroTexto 2">
             <a:extLst>
               <a:ext uri="{FF2B5EF4-FFF2-40B4-BE49-F238E27FC236}">
-                <a16:creationId xmlns="" xmlns:a16="http://schemas.microsoft.com/office/drawing/2014/main" id="{7B1F4D91-4585-4FCD-98CB-E9DE46A7EAD8}"/>
+                <a16:creationId xmlns:a16="http://schemas.microsoft.com/office/drawing/2014/main" xmlns="" id="{7B1F4D91-4585-4FCD-98CB-E9DE46A7EAD8}"/>
               </a:ext>
             </a:extLst>
           </p:cNvPr>
